--- a/docs/diagrams/LifeInsuranceComponentClassDiagram.pptx
+++ b/docs/diagrams/LifeInsuranceComponentClassDiagram.pptx
@@ -208,7 +208,7 @@
           <a:p>
             <a:fld id="{F5CC4B3F-88C1-4FFA-B1B6-F41C21DC6924}" type="datetimeFigureOut">
               <a:rPr lang="en-US" smtClean="0"/>
-              <a:t>11/12/17</a:t>
+              <a:t>11/13/17</a:t>
             </a:fld>
             <a:endParaRPr lang="en-US"/>
           </a:p>
@@ -657,7 +657,7 @@
           <a:p>
             <a:fld id="{78C97017-6FC3-485B-9764-EAC9E56C1D49}" type="datetimeFigureOut">
               <a:rPr lang="en-US" smtClean="0"/>
-              <a:t>11/12/17</a:t>
+              <a:t>11/13/17</a:t>
             </a:fld>
             <a:endParaRPr lang="en-US"/>
           </a:p>
@@ -827,7 +827,7 @@
           <a:p>
             <a:fld id="{78C97017-6FC3-485B-9764-EAC9E56C1D49}" type="datetimeFigureOut">
               <a:rPr lang="en-US" smtClean="0"/>
-              <a:t>11/12/17</a:t>
+              <a:t>11/13/17</a:t>
             </a:fld>
             <a:endParaRPr lang="en-US"/>
           </a:p>
@@ -1007,7 +1007,7 @@
           <a:p>
             <a:fld id="{78C97017-6FC3-485B-9764-EAC9E56C1D49}" type="datetimeFigureOut">
               <a:rPr lang="en-US" smtClean="0"/>
-              <a:t>11/12/17</a:t>
+              <a:t>11/13/17</a:t>
             </a:fld>
             <a:endParaRPr lang="en-US"/>
           </a:p>
@@ -1177,7 +1177,7 @@
           <a:p>
             <a:fld id="{78C97017-6FC3-485B-9764-EAC9E56C1D49}" type="datetimeFigureOut">
               <a:rPr lang="en-US" smtClean="0"/>
-              <a:t>11/12/17</a:t>
+              <a:t>11/13/17</a:t>
             </a:fld>
             <a:endParaRPr lang="en-US"/>
           </a:p>
@@ -1423,7 +1423,7 @@
           <a:p>
             <a:fld id="{78C97017-6FC3-485B-9764-EAC9E56C1D49}" type="datetimeFigureOut">
               <a:rPr lang="en-US" smtClean="0"/>
-              <a:t>11/12/17</a:t>
+              <a:t>11/13/17</a:t>
             </a:fld>
             <a:endParaRPr lang="en-US"/>
           </a:p>
@@ -1711,7 +1711,7 @@
           <a:p>
             <a:fld id="{78C97017-6FC3-485B-9764-EAC9E56C1D49}" type="datetimeFigureOut">
               <a:rPr lang="en-US" smtClean="0"/>
-              <a:t>11/12/17</a:t>
+              <a:t>11/13/17</a:t>
             </a:fld>
             <a:endParaRPr lang="en-US"/>
           </a:p>
@@ -2133,7 +2133,7 @@
           <a:p>
             <a:fld id="{78C97017-6FC3-485B-9764-EAC9E56C1D49}" type="datetimeFigureOut">
               <a:rPr lang="en-US" smtClean="0"/>
-              <a:t>11/12/17</a:t>
+              <a:t>11/13/17</a:t>
             </a:fld>
             <a:endParaRPr lang="en-US"/>
           </a:p>
@@ -2251,7 +2251,7 @@
           <a:p>
             <a:fld id="{78C97017-6FC3-485B-9764-EAC9E56C1D49}" type="datetimeFigureOut">
               <a:rPr lang="en-US" smtClean="0"/>
-              <a:t>11/12/17</a:t>
+              <a:t>11/13/17</a:t>
             </a:fld>
             <a:endParaRPr lang="en-US"/>
           </a:p>
@@ -2346,7 +2346,7 @@
           <a:p>
             <a:fld id="{78C97017-6FC3-485B-9764-EAC9E56C1D49}" type="datetimeFigureOut">
               <a:rPr lang="en-US" smtClean="0"/>
-              <a:t>11/12/17</a:t>
+              <a:t>11/13/17</a:t>
             </a:fld>
             <a:endParaRPr lang="en-US"/>
           </a:p>
@@ -2623,7 +2623,7 @@
           <a:p>
             <a:fld id="{78C97017-6FC3-485B-9764-EAC9E56C1D49}" type="datetimeFigureOut">
               <a:rPr lang="en-US" smtClean="0"/>
-              <a:t>11/12/17</a:t>
+              <a:t>11/13/17</a:t>
             </a:fld>
             <a:endParaRPr lang="en-US"/>
           </a:p>
@@ -2876,7 +2876,7 @@
           <a:p>
             <a:fld id="{78C97017-6FC3-485B-9764-EAC9E56C1D49}" type="datetimeFigureOut">
               <a:rPr lang="en-US" smtClean="0"/>
-              <a:t>11/12/17</a:t>
+              <a:t>11/13/17</a:t>
             </a:fld>
             <a:endParaRPr lang="en-US"/>
           </a:p>
@@ -3089,7 +3089,7 @@
           <a:p>
             <a:fld id="{78C97017-6FC3-485B-9764-EAC9E56C1D49}" type="datetimeFigureOut">
               <a:rPr lang="en-US" smtClean="0"/>
-              <a:t>11/12/17</a:t>
+              <a:t>11/13/17</a:t>
             </a:fld>
             <a:endParaRPr lang="en-US"/>
           </a:p>
@@ -4792,7 +4792,7 @@
         </p:nvSpPr>
         <p:spPr>
           <a:xfrm>
-            <a:off x="8001000" y="2060570"/>
+            <a:off x="7988968" y="2300846"/>
             <a:ext cx="745827" cy="275131"/>
           </a:xfrm>
           <a:prstGeom prst="rect">
@@ -5204,18 +5204,19 @@
         <p:nvCxnSpPr>
           <p:cNvPr id="254" name="Elbow Connector 253"/>
           <p:cNvCxnSpPr>
+            <a:stCxn id="101" idx="3"/>
             <a:endCxn id="109" idx="1"/>
           </p:cNvCxnSpPr>
           <p:nvPr/>
         </p:nvCxnSpPr>
         <p:spPr>
           <a:xfrm>
-            <a:off x="5484296" y="2185581"/>
-            <a:ext cx="678999" cy="243311"/>
+            <a:off x="5484296" y="1880781"/>
+            <a:ext cx="678999" cy="548111"/>
           </a:xfrm>
           <a:prstGeom prst="bentConnector3">
             <a:avLst>
-              <a:gd name="adj1" fmla="val 26433"/>
+              <a:gd name="adj1" fmla="val 23066"/>
             </a:avLst>
           </a:prstGeom>
           <a:ln w="19050">
@@ -5246,18 +5247,19 @@
         <p:nvCxnSpPr>
           <p:cNvPr id="257" name="Elbow Connector 256"/>
           <p:cNvCxnSpPr>
+            <a:stCxn id="101" idx="3"/>
             <a:endCxn id="113" idx="1"/>
           </p:cNvCxnSpPr>
           <p:nvPr/>
         </p:nvCxnSpPr>
         <p:spPr>
           <a:xfrm>
-            <a:off x="5484296" y="2185581"/>
-            <a:ext cx="679000" cy="643570"/>
+            <a:off x="5484296" y="1880781"/>
+            <a:ext cx="679000" cy="948370"/>
           </a:xfrm>
           <a:prstGeom prst="bentConnector3">
             <a:avLst>
-              <a:gd name="adj1" fmla="val 24750"/>
+              <a:gd name="adj1" fmla="val 24291"/>
             </a:avLst>
           </a:prstGeom>
           <a:ln w="19050">
@@ -5300,7 +5302,7 @@
           </a:xfrm>
           <a:prstGeom prst="bentConnector3">
             <a:avLst>
-              <a:gd name="adj1" fmla="val 26433"/>
+              <a:gd name="adj1" fmla="val 22760"/>
             </a:avLst>
           </a:prstGeom>
           <a:ln w="19050">
@@ -5343,7 +5345,7 @@
           </a:xfrm>
           <a:prstGeom prst="bentConnector3">
             <a:avLst>
-              <a:gd name="adj1" fmla="val 26433"/>
+              <a:gd name="adj1" fmla="val 22760"/>
             </a:avLst>
           </a:prstGeom>
           <a:ln w="19050">
@@ -5677,7 +5679,7 @@
             <a:prstGeom prst="bentConnector4">
               <a:avLst>
                 <a:gd name="adj1" fmla="val -7627"/>
-                <a:gd name="adj2" fmla="val 111303"/>
+                <a:gd name="adj2" fmla="val 147471"/>
               </a:avLst>
             </a:prstGeom>
             <a:ln w="19050">
@@ -5813,7 +5815,7 @@
               </a:pathLst>
             </a:custGeom>
             <a:noFill/>
-            <a:ln>
+            <a:ln w="19050">
               <a:solidFill>
                 <a:srgbClr val="7030A0"/>
               </a:solidFill>
@@ -6584,7 +6586,7 @@
           </a:xfrm>
           <a:prstGeom prst="bentConnector3">
             <a:avLst>
-              <a:gd name="adj1" fmla="val 50000"/>
+              <a:gd name="adj1" fmla="val 23242"/>
             </a:avLst>
           </a:prstGeom>
           <a:ln w="19050">
@@ -6611,6 +6613,45 @@
           </a:fontRef>
         </p:style>
       </p:cxnSp>
+      <p:sp>
+        <p:nvSpPr>
+          <p:cNvPr id="84" name="TextBox 83"/>
+          <p:cNvSpPr txBox="1"/>
+          <p:nvPr/>
+        </p:nvSpPr>
+        <p:spPr>
+          <a:xfrm>
+            <a:off x="5982943" y="1040517"/>
+            <a:ext cx="189257" cy="178683"/>
+          </a:xfrm>
+          <a:prstGeom prst="rect">
+            <a:avLst/>
+          </a:prstGeom>
+          <a:noFill/>
+        </p:spPr>
+        <p:txBody>
+          <a:bodyPr wrap="square" lIns="0" tIns="0" rIns="0" bIns="0" rtlCol="0">
+            <a:noAutofit/>
+          </a:bodyPr>
+          <a:lstStyle/>
+          <a:p>
+            <a:pPr algn="ctr"/>
+            <a:r>
+              <a:rPr lang="en-US" sz="1100" dirty="0" smtClean="0">
+                <a:solidFill>
+                  <a:srgbClr val="7030A0"/>
+                </a:solidFill>
+              </a:rPr>
+              <a:t>1</a:t>
+            </a:r>
+            <a:endParaRPr lang="en-SG" sz="1100" dirty="0">
+              <a:solidFill>
+                <a:srgbClr val="7030A0"/>
+              </a:solidFill>
+            </a:endParaRPr>
+          </a:p>
+        </p:txBody>
+      </p:sp>
     </p:spTree>
     <p:extLst>
       <p:ext uri="{BB962C8B-B14F-4D97-AF65-F5344CB8AC3E}">
